--- a/Prezentatsia.pptx
+++ b/Prezentatsia.pptx
@@ -287,7 +287,7 @@
           <a:p>
             <a:fld id="{1160EA64-D806-43AC-9DF2-F8C432F32B4C}" type="datetimeFigureOut">
               <a:rPr lang="en-US" dirty="0"/>
-              <a:t>3/20/24</a:t>
+              <a:t>3/21/2024</a:t>
             </a:fld>
             <a:endParaRPr lang="en-US" dirty="0"/>
           </a:p>
@@ -453,7 +453,7 @@
           <a:p>
             <a:fld id="{E9F9C37B-1D36-470B-8223-D6C91242EC14}" type="datetimeFigureOut">
               <a:rPr lang="en-US" dirty="0"/>
-              <a:t>3/20/24</a:t>
+              <a:t>3/21/2024</a:t>
             </a:fld>
             <a:endParaRPr lang="en-US" dirty="0"/>
           </a:p>
@@ -628,7 +628,7 @@
           <a:p>
             <a:fld id="{67C6F52A-A82B-47A2-A83A-8C4C91F2D59F}" type="datetimeFigureOut">
               <a:rPr lang="en-US" dirty="0"/>
-              <a:t>3/20/24</a:t>
+              <a:t>3/21/2024</a:t>
             </a:fld>
             <a:endParaRPr lang="en-US" dirty="0"/>
           </a:p>
@@ -793,7 +793,7 @@
           <a:p>
             <a:fld id="{F070A7B3-6521-4DCA-87E5-044747A908C1}" type="datetimeFigureOut">
               <a:rPr lang="en-US" dirty="0"/>
-              <a:t>3/20/24</a:t>
+              <a:t>3/21/2024</a:t>
             </a:fld>
             <a:endParaRPr lang="en-US" dirty="0"/>
           </a:p>
@@ -1057,7 +1057,7 @@
           <a:p>
             <a:fld id="{1160EA64-D806-43AC-9DF2-F8C432F32B4C}" type="datetimeFigureOut">
               <a:rPr lang="en-US" dirty="0"/>
-              <a:t>3/20/24</a:t>
+              <a:t>3/21/2024</a:t>
             </a:fld>
             <a:endParaRPr lang="en-US" dirty="0"/>
           </a:p>
@@ -1285,7 +1285,7 @@
           <a:p>
             <a:fld id="{AB134690-1557-4C89-A502-4959FE7FAD70}" type="datetimeFigureOut">
               <a:rPr lang="en-US" dirty="0"/>
-              <a:t>3/20/24</a:t>
+              <a:t>3/21/2024</a:t>
             </a:fld>
             <a:endParaRPr lang="en-US" dirty="0"/>
           </a:p>
@@ -1639,7 +1639,7 @@
           <a:p>
             <a:fld id="{4F7D4976-E339-4826-83B7-FBD03F55ECF8}" type="datetimeFigureOut">
               <a:rPr lang="en-US" dirty="0"/>
-              <a:t>3/20/24</a:t>
+              <a:t>3/21/2024</a:t>
             </a:fld>
             <a:endParaRPr lang="en-US" dirty="0"/>
           </a:p>
@@ -1775,7 +1775,7 @@
           <a:p>
             <a:fld id="{E1037C31-9E7A-4F99-8774-A0E530DE1A42}" type="datetimeFigureOut">
               <a:rPr lang="en-US" dirty="0"/>
-              <a:t>3/20/24</a:t>
+              <a:t>3/21/2024</a:t>
             </a:fld>
             <a:endParaRPr lang="en-US" dirty="0"/>
           </a:p>
@@ -1865,7 +1865,7 @@
           <a:p>
             <a:fld id="{C278504F-A551-4DE0-9316-4DCD1D8CC752}" type="datetimeFigureOut">
               <a:rPr lang="en-US" dirty="0"/>
-              <a:t>3/20/24</a:t>
+              <a:t>3/21/2024</a:t>
             </a:fld>
             <a:endParaRPr lang="en-US" dirty="0"/>
           </a:p>
@@ -2217,7 +2217,7 @@
           <a:p>
             <a:fld id="{D1BE4249-C0D0-4B06-8692-E8BB871AF643}" type="datetimeFigureOut">
               <a:rPr lang="en-US" dirty="0"/>
-              <a:t>3/20/24</a:t>
+              <a:t>3/21/2024</a:t>
             </a:fld>
             <a:endParaRPr lang="en-US" dirty="0"/>
           </a:p>
@@ -2569,7 +2569,7 @@
           <a:p>
             <a:fld id="{042B0DB6-F5C7-45FB-8CF3-31B45F9C2DAC}" type="datetimeFigureOut">
               <a:rPr lang="en-US" dirty="0"/>
-              <a:t>3/20/24</a:t>
+              <a:t>3/21/2024</a:t>
             </a:fld>
             <a:endParaRPr lang="en-US" dirty="0"/>
           </a:p>
@@ -2806,7 +2806,7 @@
           <a:p>
             <a:fld id="{1160EA64-D806-43AC-9DF2-F8C432F32B4C}" type="datetimeFigureOut">
               <a:rPr lang="en-US" dirty="0"/>
-              <a:t>3/20/24</a:t>
+              <a:t>3/21/2024</a:t>
             </a:fld>
             <a:endParaRPr lang="en-US" dirty="0"/>
           </a:p>
@@ -3412,19 +3412,17 @@
       </p:sp>
       <p:pic>
         <p:nvPicPr>
-          <p:cNvPr id="4" name="Объект 3">
+          <p:cNvPr id="3" name="Рисунок 2">
             <a:extLst>
               <a:ext uri="{FF2B5EF4-FFF2-40B4-BE49-F238E27FC236}">
-                <a16:creationId xmlns:a16="http://schemas.microsoft.com/office/drawing/2014/main" id="{864D8004-C075-51C6-AE37-76CA1067BDC8}"/>
+                <a16:creationId xmlns:a16="http://schemas.microsoft.com/office/drawing/2014/main" id="{38B09D0E-CF6A-B04B-AE9A-139CB9B53F55}"/>
               </a:ext>
             </a:extLst>
           </p:cNvPr>
           <p:cNvPicPr>
-            <a:picLocks noGrp="1" noChangeAspect="1"/>
+            <a:picLocks noChangeAspect="1"/>
           </p:cNvPicPr>
-          <p:nvPr>
-            <p:ph idx="1"/>
-          </p:nvPr>
+          <p:nvPr/>
         </p:nvPicPr>
         <p:blipFill>
           <a:blip r:embed="rId2"/>
@@ -3434,8 +3432,8 @@
         </p:blipFill>
         <p:spPr>
           <a:xfrm>
-            <a:off x="718127" y="2743201"/>
-            <a:ext cx="10755746" cy="3340608"/>
+            <a:off x="579960" y="2482850"/>
+            <a:ext cx="11032079" cy="3410458"/>
           </a:xfrm>
           <a:prstGeom prst="rect">
             <a:avLst/>
@@ -5093,7 +5091,7 @@
         </p:nvGraphicFramePr>
         <p:xfrm>
           <a:off x="2029968" y="1759712"/>
-          <a:ext cx="8132064" cy="4298160"/>
+          <a:ext cx="8132064" cy="4298992"/>
         </p:xfrm>
         <a:graphic>
           <a:graphicData uri="http://schemas.openxmlformats.org/drawingml/2006/table">
